--- a/BE Aufgabe 26.pptx
+++ b/BE Aufgabe 26.pptx
@@ -4713,8 +4713,12 @@
               <a:p>
                 <a:pPr algn="ctr"/>
                 <a:r>
+                  <a:rPr lang="de-DE" dirty="0" err="1"/>
+                  <a:t>b</a:t>
+                </a:r>
+                <a:r>
                   <a:rPr lang="de-DE" dirty="0" err="1" smtClean="0"/>
-                  <a:t>BookNonStop</a:t>
+                  <a:t>ookNonStop</a:t>
                 </a:r>
                 <a:r>
                   <a:rPr lang="de-DE" dirty="0" smtClean="0"/>
